--- a/Seasonal flu vaccination - Presentation.pptx
+++ b/Seasonal flu vaccination - Presentation.pptx
@@ -249,7 +249,7 @@
           <a:p>
             <a:fld id="{7FF95820-84BB-3447-8286-60A51307E7F2}" type="datetimeFigureOut">
               <a:rPr lang="en-US" smtClean="0"/>
-              <a:t>1/10/2023</a:t>
+              <a:t>1/11/2023</a:t>
             </a:fld>
             <a:endParaRPr lang="en-US" dirty="0"/>
           </a:p>
@@ -427,7 +427,7 @@
           <a:p>
             <a:fld id="{FC08FC54-6AE4-6A4A-9756-823A0F1BE5A6}" type="datetimeFigureOut">
               <a:rPr lang="en-US" smtClean="0"/>
-              <a:t>1/10/2023</a:t>
+              <a:t>1/11/2023</a:t>
             </a:fld>
             <a:endParaRPr lang="en-US" dirty="0"/>
           </a:p>
@@ -11719,7 +11719,7 @@
           <a:p>
             <a:r>
               <a:rPr lang="en-US" sz="1600" dirty="0"/>
-              <a:t>This model has an accuracy score of 76.25%, slightly higher than baseline.</a:t>
+              <a:t>This model has an accuracy score of 76.43%, slightly higher than baseline.</a:t>
             </a:r>
           </a:p>
         </p:txBody>
@@ -12872,7 +12872,7 @@
           <a:p>
             <a:r>
               <a:rPr lang="en-US" sz="1800" dirty="0"/>
-              <a:t>Marginally higher than baseline DLM (76.25%)</a:t>
+              <a:t>SLIGHTY LOWER than baseline DLM (76.43%)</a:t>
             </a:r>
           </a:p>
         </p:txBody>
@@ -13250,7 +13250,7 @@
                 <a:ea typeface="+mn-lt"/>
                 <a:cs typeface="+mn-lt"/>
               </a:rPr>
-              <a:t>Fine tuning of deep learning model through changing hyperparameters and introducing dropout regularization technique marginally improved accuracy score</a:t>
+              <a:t>Opportunity to further Fine tuning THE deep learning model through changing hyperparameters</a:t>
             </a:r>
           </a:p>
         </p:txBody>
@@ -13270,14 +13270,14 @@
           <p:nvPr>
             <p:extLst>
               <p:ext uri="{D42A27DB-BD31-4B8C-83A1-F6EECF244321}">
-                <p14:modId xmlns:p14="http://schemas.microsoft.com/office/powerpoint/2010/main" val="518360734"/>
+                <p14:modId xmlns:p14="http://schemas.microsoft.com/office/powerpoint/2010/main" val="1699171984"/>
               </p:ext>
             </p:extLst>
           </p:nvPr>
         </p:nvGraphicFramePr>
         <p:xfrm>
-          <a:off x="7743423" y="1346769"/>
-          <a:ext cx="3527827" cy="4164461"/>
+          <a:off x="7743423" y="1546224"/>
+          <a:ext cx="3527827" cy="2282826"/>
         </p:xfrm>
         <a:graphic>
           <a:graphicData uri="http://schemas.openxmlformats.org/drawingml/2006/table">
@@ -13305,7 +13305,7 @@
                     <a:bodyPr/>
                     <a:lstStyle/>
                     <a:p>
-                      <a:pPr algn="ctr" rtl="0" fontAlgn="t">
+                      <a:pPr algn="l" rtl="0" fontAlgn="t">
                         <a:spcBef>
                           <a:spcPts val="0"/>
                         </a:spcBef>
@@ -13314,17 +13314,18 @@
                         </a:spcAft>
                       </a:pPr>
                       <a:r>
-                        <a:rPr lang="en-US" sz="1400" b="1" i="0" u="none" strike="noStrike">
+                        <a:rPr lang="en-US" sz="1400" b="1" i="0" u="none" strike="noStrike" dirty="0">
                           <a:solidFill>
                             <a:srgbClr val="000000"/>
                           </a:solidFill>
                           <a:effectLst/>
-                          <a:latin typeface="Arial" panose="020B0604020202020204" pitchFamily="34" charset="0"/>
+                          <a:latin typeface="+mn-lt"/>
                         </a:rPr>
                         <a:t>Model</a:t>
                       </a:r>
-                      <a:endParaRPr lang="en-US">
+                      <a:endParaRPr lang="en-US" dirty="0">
                         <a:effectLst/>
+                        <a:latin typeface="+mn-lt"/>
                       </a:endParaRPr>
                     </a:p>
                   </a:txBody>
@@ -13381,17 +13382,18 @@
                         </a:spcAft>
                       </a:pPr>
                       <a:r>
-                        <a:rPr lang="en-US" sz="1400" b="1" i="0" u="none" strike="noStrike">
+                        <a:rPr lang="en-US" sz="1400" b="1" i="0" u="none" strike="noStrike" dirty="0">
                           <a:solidFill>
                             <a:srgbClr val="000000"/>
                           </a:solidFill>
                           <a:effectLst/>
-                          <a:latin typeface="Arial" panose="020B0604020202020204" pitchFamily="34" charset="0"/>
+                          <a:latin typeface="+mn-lt"/>
                         </a:rPr>
                         <a:t>Accuracy</a:t>
                       </a:r>
-                      <a:endParaRPr lang="en-US">
+                      <a:endParaRPr lang="en-US" dirty="0">
                         <a:effectLst/>
+                        <a:latin typeface="+mn-lt"/>
                       </a:endParaRPr>
                     </a:p>
                   </a:txBody>
@@ -13455,581 +13457,18 @@
                         </a:spcAft>
                       </a:pPr>
                       <a:r>
-                        <a:rPr lang="en-US" sz="1400" b="0" i="0" u="none" strike="noStrike">
-                          <a:solidFill>
-                            <a:srgbClr val="000000"/>
-                          </a:solidFill>
-                          <a:effectLst/>
-                          <a:latin typeface="Arial" panose="020B0604020202020204" pitchFamily="34" charset="0"/>
-                        </a:rPr>
-                        <a:t>Baseline</a:t>
-                      </a:r>
-                      <a:endParaRPr lang="en-US">
-                        <a:effectLst/>
-                      </a:endParaRPr>
-                    </a:p>
-                  </a:txBody>
-                  <a:tcPr marL="47625" marR="47625" marT="47625" marB="47625">
-                    <a:lnL w="4763" cap="flat" cmpd="sng" algn="ctr">
-                      <a:solidFill>
-                        <a:srgbClr val="9E9E9E"/>
-                      </a:solidFill>
-                      <a:prstDash val="solid"/>
-                      <a:round/>
-                      <a:headEnd type="none" w="med" len="med"/>
-                      <a:tailEnd type="none" w="med" len="med"/>
-                    </a:lnL>
-                    <a:lnR w="4763" cap="flat" cmpd="sng" algn="ctr">
-                      <a:solidFill>
-                        <a:srgbClr val="9E9E9E"/>
-                      </a:solidFill>
-                      <a:prstDash val="solid"/>
-                      <a:round/>
-                      <a:headEnd type="none" w="med" len="med"/>
-                      <a:tailEnd type="none" w="med" len="med"/>
-                    </a:lnR>
-                    <a:lnT w="4763" cap="flat" cmpd="sng" algn="ctr">
-                      <a:solidFill>
-                        <a:srgbClr val="9E9E9E"/>
-                      </a:solidFill>
-                      <a:prstDash val="solid"/>
-                      <a:round/>
-                      <a:headEnd type="none" w="med" len="med"/>
-                      <a:tailEnd type="none" w="med" len="med"/>
-                    </a:lnT>
-                    <a:lnB w="4763" cap="flat" cmpd="sng" algn="ctr">
-                      <a:solidFill>
-                        <a:srgbClr val="9E9E9E"/>
-                      </a:solidFill>
-                      <a:prstDash val="solid"/>
-                      <a:round/>
-                      <a:headEnd type="none" w="med" len="med"/>
-                      <a:tailEnd type="none" w="med" len="med"/>
-                    </a:lnB>
-                  </a:tcPr>
-                </a:tc>
-                <a:tc>
-                  <a:txBody>
-                    <a:bodyPr/>
-                    <a:lstStyle/>
-                    <a:p>
-                      <a:pPr algn="ctr" rtl="0" fontAlgn="t">
-                        <a:spcBef>
-                          <a:spcPts val="0"/>
-                        </a:spcBef>
-                        <a:spcAft>
-                          <a:spcPts val="0"/>
-                        </a:spcAft>
-                      </a:pPr>
-                      <a:r>
-                        <a:rPr lang="en-US" sz="1400" b="0" i="0" u="none" strike="noStrike">
-                          <a:solidFill>
-                            <a:srgbClr val="000000"/>
-                          </a:solidFill>
-                          <a:effectLst/>
-                          <a:latin typeface="Arial" panose="020B0604020202020204" pitchFamily="34" charset="0"/>
-                        </a:rPr>
-                        <a:t>76.13%</a:t>
-                      </a:r>
-                      <a:endParaRPr lang="en-US">
-                        <a:effectLst/>
-                      </a:endParaRPr>
-                    </a:p>
-                  </a:txBody>
-                  <a:tcPr marL="47625" marR="47625" marT="47625" marB="47625">
-                    <a:lnL w="4763" cap="flat" cmpd="sng" algn="ctr">
-                      <a:solidFill>
-                        <a:srgbClr val="9E9E9E"/>
-                      </a:solidFill>
-                      <a:prstDash val="solid"/>
-                      <a:round/>
-                      <a:headEnd type="none" w="med" len="med"/>
-                      <a:tailEnd type="none" w="med" len="med"/>
-                    </a:lnL>
-                    <a:lnR w="4763" cap="flat" cmpd="sng" algn="ctr">
-                      <a:solidFill>
-                        <a:srgbClr val="9E9E9E"/>
-                      </a:solidFill>
-                      <a:prstDash val="solid"/>
-                      <a:round/>
-                      <a:headEnd type="none" w="med" len="med"/>
-                      <a:tailEnd type="none" w="med" len="med"/>
-                    </a:lnR>
-                    <a:lnT w="4763" cap="flat" cmpd="sng" algn="ctr">
-                      <a:solidFill>
-                        <a:srgbClr val="9E9E9E"/>
-                      </a:solidFill>
-                      <a:prstDash val="solid"/>
-                      <a:round/>
-                      <a:headEnd type="none" w="med" len="med"/>
-                      <a:tailEnd type="none" w="med" len="med"/>
-                    </a:lnT>
-                    <a:lnB w="4763" cap="flat" cmpd="sng" algn="ctr">
-                      <a:solidFill>
-                        <a:srgbClr val="9E9E9E"/>
-                      </a:solidFill>
-                      <a:prstDash val="solid"/>
-                      <a:round/>
-                      <a:headEnd type="none" w="med" len="med"/>
-                      <a:tailEnd type="none" w="med" len="med"/>
-                    </a:lnB>
-                  </a:tcPr>
-                </a:tc>
-                <a:extLst>
-                  <a:ext uri="{0D108BD9-81ED-4DB2-BD59-A6C34878D82A}">
-                    <a16:rowId xmlns:a16="http://schemas.microsoft.com/office/drawing/2014/main" val="3336935628"/>
-                  </a:ext>
-                </a:extLst>
-              </a:tr>
-              <a:tr h="594923">
-                <a:tc>
-                  <a:txBody>
-                    <a:bodyPr/>
-                    <a:lstStyle/>
-                    <a:p>
-                      <a:pPr rtl="0" fontAlgn="t">
-                        <a:spcBef>
-                          <a:spcPts val="0"/>
-                        </a:spcBef>
-                        <a:spcAft>
-                          <a:spcPts val="0"/>
-                        </a:spcAft>
-                      </a:pPr>
-                      <a:r>
-                        <a:rPr lang="en-US" sz="1400" b="0" i="0" u="none" strike="noStrike">
-                          <a:solidFill>
-                            <a:srgbClr val="000000"/>
-                          </a:solidFill>
-                          <a:effectLst/>
-                          <a:latin typeface="Arial" panose="020B0604020202020204" pitchFamily="34" charset="0"/>
-                        </a:rPr>
-                        <a:t>Features Selection</a:t>
-                      </a:r>
-                      <a:endParaRPr lang="en-US">
-                        <a:effectLst/>
-                      </a:endParaRPr>
-                    </a:p>
-                  </a:txBody>
-                  <a:tcPr marL="47625" marR="47625" marT="47625" marB="47625">
-                    <a:lnL w="4763" cap="flat" cmpd="sng" algn="ctr">
-                      <a:solidFill>
-                        <a:srgbClr val="9E9E9E"/>
-                      </a:solidFill>
-                      <a:prstDash val="solid"/>
-                      <a:round/>
-                      <a:headEnd type="none" w="med" len="med"/>
-                      <a:tailEnd type="none" w="med" len="med"/>
-                    </a:lnL>
-                    <a:lnR w="4763" cap="flat" cmpd="sng" algn="ctr">
-                      <a:solidFill>
-                        <a:srgbClr val="9E9E9E"/>
-                      </a:solidFill>
-                      <a:prstDash val="solid"/>
-                      <a:round/>
-                      <a:headEnd type="none" w="med" len="med"/>
-                      <a:tailEnd type="none" w="med" len="med"/>
-                    </a:lnR>
-                    <a:lnT w="4763" cap="flat" cmpd="sng" algn="ctr">
-                      <a:solidFill>
-                        <a:srgbClr val="9E9E9E"/>
-                      </a:solidFill>
-                      <a:prstDash val="solid"/>
-                      <a:round/>
-                      <a:headEnd type="none" w="med" len="med"/>
-                      <a:tailEnd type="none" w="med" len="med"/>
-                    </a:lnT>
-                    <a:lnB w="4763" cap="flat" cmpd="sng" algn="ctr">
-                      <a:solidFill>
-                        <a:srgbClr val="9E9E9E"/>
-                      </a:solidFill>
-                      <a:prstDash val="solid"/>
-                      <a:round/>
-                      <a:headEnd type="none" w="med" len="med"/>
-                      <a:tailEnd type="none" w="med" len="med"/>
-                    </a:lnB>
-                  </a:tcPr>
-                </a:tc>
-                <a:tc>
-                  <a:txBody>
-                    <a:bodyPr/>
-                    <a:lstStyle/>
-                    <a:p>
-                      <a:pPr algn="ctr" rtl="0" fontAlgn="t">
-                        <a:spcBef>
-                          <a:spcPts val="0"/>
-                        </a:spcBef>
-                        <a:spcAft>
-                          <a:spcPts val="0"/>
-                        </a:spcAft>
-                      </a:pPr>
-                      <a:r>
-                        <a:rPr lang="en-US" sz="1400" b="0" i="0" u="none" strike="noStrike">
-                          <a:solidFill>
-                            <a:srgbClr val="000000"/>
-                          </a:solidFill>
-                          <a:effectLst/>
-                          <a:latin typeface="Arial" panose="020B0604020202020204" pitchFamily="34" charset="0"/>
-                        </a:rPr>
-                        <a:t>75.15%</a:t>
-                      </a:r>
-                      <a:endParaRPr lang="en-US">
-                        <a:effectLst/>
-                      </a:endParaRPr>
-                    </a:p>
-                  </a:txBody>
-                  <a:tcPr marL="47625" marR="47625" marT="47625" marB="47625">
-                    <a:lnL w="4763" cap="flat" cmpd="sng" algn="ctr">
-                      <a:solidFill>
-                        <a:srgbClr val="9E9E9E"/>
-                      </a:solidFill>
-                      <a:prstDash val="solid"/>
-                      <a:round/>
-                      <a:headEnd type="none" w="med" len="med"/>
-                      <a:tailEnd type="none" w="med" len="med"/>
-                    </a:lnL>
-                    <a:lnR w="4763" cap="flat" cmpd="sng" algn="ctr">
-                      <a:solidFill>
-                        <a:srgbClr val="9E9E9E"/>
-                      </a:solidFill>
-                      <a:prstDash val="solid"/>
-                      <a:round/>
-                      <a:headEnd type="none" w="med" len="med"/>
-                      <a:tailEnd type="none" w="med" len="med"/>
-                    </a:lnR>
-                    <a:lnT w="4763" cap="flat" cmpd="sng" algn="ctr">
-                      <a:solidFill>
-                        <a:srgbClr val="9E9E9E"/>
-                      </a:solidFill>
-                      <a:prstDash val="solid"/>
-                      <a:round/>
-                      <a:headEnd type="none" w="med" len="med"/>
-                      <a:tailEnd type="none" w="med" len="med"/>
-                    </a:lnT>
-                    <a:lnB w="4763" cap="flat" cmpd="sng" algn="ctr">
-                      <a:solidFill>
-                        <a:srgbClr val="9E9E9E"/>
-                      </a:solidFill>
-                      <a:prstDash val="solid"/>
-                      <a:round/>
-                      <a:headEnd type="none" w="med" len="med"/>
-                      <a:tailEnd type="none" w="med" len="med"/>
-                    </a:lnB>
-                  </a:tcPr>
-                </a:tc>
-                <a:extLst>
-                  <a:ext uri="{0D108BD9-81ED-4DB2-BD59-A6C34878D82A}">
-                    <a16:rowId xmlns:a16="http://schemas.microsoft.com/office/drawing/2014/main" val="1950126987"/>
-                  </a:ext>
-                </a:extLst>
-              </a:tr>
-              <a:tr h="594923">
-                <a:tc>
-                  <a:txBody>
-                    <a:bodyPr/>
-                    <a:lstStyle/>
-                    <a:p>
-                      <a:pPr rtl="0" fontAlgn="t">
-                        <a:spcBef>
-                          <a:spcPts val="0"/>
-                        </a:spcBef>
-                        <a:spcAft>
-                          <a:spcPts val="0"/>
-                        </a:spcAft>
-                      </a:pPr>
-                      <a:r>
                         <a:rPr lang="en-US" sz="1400" b="0" i="0" u="none" strike="noStrike" dirty="0">
                           <a:solidFill>
                             <a:srgbClr val="000000"/>
                           </a:solidFill>
                           <a:effectLst/>
-                          <a:latin typeface="Arial" panose="020B0604020202020204" pitchFamily="34" charset="0"/>
+                          <a:latin typeface="+mn-lt"/>
                         </a:rPr>
-                        <a:t>RandomizedSearchCV</a:t>
+                        <a:t>Baseline</a:t>
                       </a:r>
                       <a:endParaRPr lang="en-US" dirty="0">
                         <a:effectLst/>
-                      </a:endParaRPr>
-                    </a:p>
-                  </a:txBody>
-                  <a:tcPr marL="47625" marR="47625" marT="47625" marB="47625">
-                    <a:lnL w="4763" cap="flat" cmpd="sng" algn="ctr">
-                      <a:solidFill>
-                        <a:srgbClr val="9E9E9E"/>
-                      </a:solidFill>
-                      <a:prstDash val="solid"/>
-                      <a:round/>
-                      <a:headEnd type="none" w="med" len="med"/>
-                      <a:tailEnd type="none" w="med" len="med"/>
-                    </a:lnL>
-                    <a:lnR w="4763" cap="flat" cmpd="sng" algn="ctr">
-                      <a:solidFill>
-                        <a:srgbClr val="9E9E9E"/>
-                      </a:solidFill>
-                      <a:prstDash val="solid"/>
-                      <a:round/>
-                      <a:headEnd type="none" w="med" len="med"/>
-                      <a:tailEnd type="none" w="med" len="med"/>
-                    </a:lnR>
-                    <a:lnT w="4763" cap="flat" cmpd="sng" algn="ctr">
-                      <a:solidFill>
-                        <a:srgbClr val="9E9E9E"/>
-                      </a:solidFill>
-                      <a:prstDash val="solid"/>
-                      <a:round/>
-                      <a:headEnd type="none" w="med" len="med"/>
-                      <a:tailEnd type="none" w="med" len="med"/>
-                    </a:lnT>
-                    <a:lnB w="4763" cap="flat" cmpd="sng" algn="ctr">
-                      <a:solidFill>
-                        <a:srgbClr val="9E9E9E"/>
-                      </a:solidFill>
-                      <a:prstDash val="solid"/>
-                      <a:round/>
-                      <a:headEnd type="none" w="med" len="med"/>
-                      <a:tailEnd type="none" w="med" len="med"/>
-                    </a:lnB>
-                  </a:tcPr>
-                </a:tc>
-                <a:tc>
-                  <a:txBody>
-                    <a:bodyPr/>
-                    <a:lstStyle/>
-                    <a:p>
-                      <a:pPr algn="ctr" rtl="0" fontAlgn="t">
-                        <a:spcBef>
-                          <a:spcPts val="0"/>
-                        </a:spcBef>
-                        <a:spcAft>
-                          <a:spcPts val="0"/>
-                        </a:spcAft>
-                      </a:pPr>
-                      <a:r>
-                        <a:rPr lang="en-US" sz="1400" b="0" i="0" u="none" strike="noStrike">
-                          <a:solidFill>
-                            <a:srgbClr val="000000"/>
-                          </a:solidFill>
-                          <a:effectLst/>
-                          <a:latin typeface="Arial" panose="020B0604020202020204" pitchFamily="34" charset="0"/>
-                        </a:rPr>
-                        <a:t>77.18%</a:t>
-                      </a:r>
-                      <a:endParaRPr lang="en-US">
-                        <a:effectLst/>
-                      </a:endParaRPr>
-                    </a:p>
-                  </a:txBody>
-                  <a:tcPr marL="47625" marR="47625" marT="47625" marB="47625">
-                    <a:lnL w="4763" cap="flat" cmpd="sng" algn="ctr">
-                      <a:solidFill>
-                        <a:srgbClr val="9E9E9E"/>
-                      </a:solidFill>
-                      <a:prstDash val="solid"/>
-                      <a:round/>
-                      <a:headEnd type="none" w="med" len="med"/>
-                      <a:tailEnd type="none" w="med" len="med"/>
-                    </a:lnL>
-                    <a:lnR w="4763" cap="flat" cmpd="sng" algn="ctr">
-                      <a:solidFill>
-                        <a:srgbClr val="9E9E9E"/>
-                      </a:solidFill>
-                      <a:prstDash val="solid"/>
-                      <a:round/>
-                      <a:headEnd type="none" w="med" len="med"/>
-                      <a:tailEnd type="none" w="med" len="med"/>
-                    </a:lnR>
-                    <a:lnT w="4763" cap="flat" cmpd="sng" algn="ctr">
-                      <a:solidFill>
-                        <a:srgbClr val="9E9E9E"/>
-                      </a:solidFill>
-                      <a:prstDash val="solid"/>
-                      <a:round/>
-                      <a:headEnd type="none" w="med" len="med"/>
-                      <a:tailEnd type="none" w="med" len="med"/>
-                    </a:lnT>
-                    <a:lnB w="4763" cap="flat" cmpd="sng" algn="ctr">
-                      <a:solidFill>
-                        <a:srgbClr val="9E9E9E"/>
-                      </a:solidFill>
-                      <a:prstDash val="solid"/>
-                      <a:round/>
-                      <a:headEnd type="none" w="med" len="med"/>
-                      <a:tailEnd type="none" w="med" len="med"/>
-                    </a:lnB>
-                  </a:tcPr>
-                </a:tc>
-                <a:extLst>
-                  <a:ext uri="{0D108BD9-81ED-4DB2-BD59-A6C34878D82A}">
-                    <a16:rowId xmlns:a16="http://schemas.microsoft.com/office/drawing/2014/main" val="1194228758"/>
-                  </a:ext>
-                </a:extLst>
-              </a:tr>
-              <a:tr h="594923">
-                <a:tc>
-                  <a:txBody>
-                    <a:bodyPr/>
-                    <a:lstStyle/>
-                    <a:p>
-                      <a:pPr rtl="0" fontAlgn="t">
-                        <a:spcBef>
-                          <a:spcPts val="0"/>
-                        </a:spcBef>
-                        <a:spcAft>
-                          <a:spcPts val="0"/>
-                        </a:spcAft>
-                      </a:pPr>
-                      <a:r>
-                        <a:rPr lang="en-US" sz="1400" b="0" i="0" u="none" strike="noStrike" dirty="0">
-                          <a:solidFill>
-                            <a:srgbClr val="000000"/>
-                          </a:solidFill>
-                          <a:effectLst/>
-                          <a:latin typeface="Arial" panose="020B0604020202020204" pitchFamily="34" charset="0"/>
-                        </a:rPr>
-                        <a:t>GridSearchCV</a:t>
-                      </a:r>
-                      <a:endParaRPr lang="en-US" dirty="0">
-                        <a:effectLst/>
-                      </a:endParaRPr>
-                    </a:p>
-                  </a:txBody>
-                  <a:tcPr marL="47625" marR="47625" marT="47625" marB="47625">
-                    <a:lnL w="4763" cap="flat" cmpd="sng" algn="ctr">
-                      <a:solidFill>
-                        <a:srgbClr val="9E9E9E"/>
-                      </a:solidFill>
-                      <a:prstDash val="solid"/>
-                      <a:round/>
-                      <a:headEnd type="none" w="med" len="med"/>
-                      <a:tailEnd type="none" w="med" len="med"/>
-                    </a:lnL>
-                    <a:lnR w="4763" cap="flat" cmpd="sng" algn="ctr">
-                      <a:solidFill>
-                        <a:srgbClr val="9E9E9E"/>
-                      </a:solidFill>
-                      <a:prstDash val="solid"/>
-                      <a:round/>
-                      <a:headEnd type="none" w="med" len="med"/>
-                      <a:tailEnd type="none" w="med" len="med"/>
-                    </a:lnR>
-                    <a:lnT w="4763" cap="flat" cmpd="sng" algn="ctr">
-                      <a:solidFill>
-                        <a:srgbClr val="9E9E9E"/>
-                      </a:solidFill>
-                      <a:prstDash val="solid"/>
-                      <a:round/>
-                      <a:headEnd type="none" w="med" len="med"/>
-                      <a:tailEnd type="none" w="med" len="med"/>
-                    </a:lnT>
-                    <a:lnB w="4763" cap="flat" cmpd="sng" algn="ctr">
-                      <a:solidFill>
-                        <a:srgbClr val="9E9E9E"/>
-                      </a:solidFill>
-                      <a:prstDash val="solid"/>
-                      <a:round/>
-                      <a:headEnd type="none" w="med" len="med"/>
-                      <a:tailEnd type="none" w="med" len="med"/>
-                    </a:lnB>
-                  </a:tcPr>
-                </a:tc>
-                <a:tc>
-                  <a:txBody>
-                    <a:bodyPr/>
-                    <a:lstStyle/>
-                    <a:p>
-                      <a:pPr algn="ctr" rtl="0" fontAlgn="t">
-                        <a:spcBef>
-                          <a:spcPts val="0"/>
-                        </a:spcBef>
-                        <a:spcAft>
-                          <a:spcPts val="0"/>
-                        </a:spcAft>
-                      </a:pPr>
-                      <a:r>
-                        <a:rPr lang="en-US" sz="1400" b="0" i="0" u="none" strike="noStrike">
-                          <a:solidFill>
-                            <a:srgbClr val="000000"/>
-                          </a:solidFill>
-                          <a:effectLst/>
-                          <a:latin typeface="Arial" panose="020B0604020202020204" pitchFamily="34" charset="0"/>
-                        </a:rPr>
-                        <a:t>77.28%</a:t>
-                      </a:r>
-                      <a:endParaRPr lang="en-US">
-                        <a:effectLst/>
-                      </a:endParaRPr>
-                    </a:p>
-                  </a:txBody>
-                  <a:tcPr marL="47625" marR="47625" marT="47625" marB="47625">
-                    <a:lnL w="4763" cap="flat" cmpd="sng" algn="ctr">
-                      <a:solidFill>
-                        <a:srgbClr val="9E9E9E"/>
-                      </a:solidFill>
-                      <a:prstDash val="solid"/>
-                      <a:round/>
-                      <a:headEnd type="none" w="med" len="med"/>
-                      <a:tailEnd type="none" w="med" len="med"/>
-                    </a:lnL>
-                    <a:lnR w="4763" cap="flat" cmpd="sng" algn="ctr">
-                      <a:solidFill>
-                        <a:srgbClr val="9E9E9E"/>
-                      </a:solidFill>
-                      <a:prstDash val="solid"/>
-                      <a:round/>
-                      <a:headEnd type="none" w="med" len="med"/>
-                      <a:tailEnd type="none" w="med" len="med"/>
-                    </a:lnR>
-                    <a:lnT w="4763" cap="flat" cmpd="sng" algn="ctr">
-                      <a:solidFill>
-                        <a:srgbClr val="9E9E9E"/>
-                      </a:solidFill>
-                      <a:prstDash val="solid"/>
-                      <a:round/>
-                      <a:headEnd type="none" w="med" len="med"/>
-                      <a:tailEnd type="none" w="med" len="med"/>
-                    </a:lnT>
-                    <a:lnB w="4763" cap="flat" cmpd="sng" algn="ctr">
-                      <a:solidFill>
-                        <a:srgbClr val="9E9E9E"/>
-                      </a:solidFill>
-                      <a:prstDash val="solid"/>
-                      <a:round/>
-                      <a:headEnd type="none" w="med" len="med"/>
-                      <a:tailEnd type="none" w="med" len="med"/>
-                    </a:lnB>
-                  </a:tcPr>
-                </a:tc>
-                <a:extLst>
-                  <a:ext uri="{0D108BD9-81ED-4DB2-BD59-A6C34878D82A}">
-                    <a16:rowId xmlns:a16="http://schemas.microsoft.com/office/drawing/2014/main" val="2991713783"/>
-                  </a:ext>
-                </a:extLst>
-              </a:tr>
-              <a:tr h="838103">
-                <a:tc>
-                  <a:txBody>
-                    <a:bodyPr/>
-                    <a:lstStyle/>
-                    <a:p>
-                      <a:pPr rtl="0" fontAlgn="t">
-                        <a:spcBef>
-                          <a:spcPts val="0"/>
-                        </a:spcBef>
-                        <a:spcAft>
-                          <a:spcPts val="0"/>
-                        </a:spcAft>
-                      </a:pPr>
-                      <a:r>
-                        <a:rPr lang="en-US" sz="1400" b="0" i="0" u="none" strike="noStrike" dirty="0">
-                          <a:solidFill>
-                            <a:srgbClr val="000000"/>
-                          </a:solidFill>
-                          <a:effectLst/>
-                          <a:latin typeface="Arial" panose="020B0604020202020204" pitchFamily="34" charset="0"/>
-                        </a:rPr>
-                        <a:t>Deep Learning Model</a:t>
-                      </a:r>
-                      <a:endParaRPr lang="en-US" dirty="0">
-                        <a:effectLst/>
+                        <a:latin typeface="+mn-lt"/>
                       </a:endParaRPr>
                     </a:p>
                   </a:txBody>
@@ -14091,12 +13530,585 @@
                             <a:srgbClr val="000000"/>
                           </a:solidFill>
                           <a:effectLst/>
-                          <a:latin typeface="Arial" panose="020B0604020202020204" pitchFamily="34" charset="0"/>
+                          <a:latin typeface="+mn-lt"/>
                         </a:rPr>
-                        <a:t>76.25%</a:t>
+                        <a:t>76.13%</a:t>
                       </a:r>
                       <a:endParaRPr lang="en-US" dirty="0">
                         <a:effectLst/>
+                        <a:latin typeface="+mn-lt"/>
+                      </a:endParaRPr>
+                    </a:p>
+                  </a:txBody>
+                  <a:tcPr marL="47625" marR="47625" marT="47625" marB="47625">
+                    <a:lnL w="4763" cap="flat" cmpd="sng" algn="ctr">
+                      <a:solidFill>
+                        <a:srgbClr val="9E9E9E"/>
+                      </a:solidFill>
+                      <a:prstDash val="solid"/>
+                      <a:round/>
+                      <a:headEnd type="none" w="med" len="med"/>
+                      <a:tailEnd type="none" w="med" len="med"/>
+                    </a:lnL>
+                    <a:lnR w="4763" cap="flat" cmpd="sng" algn="ctr">
+                      <a:solidFill>
+                        <a:srgbClr val="9E9E9E"/>
+                      </a:solidFill>
+                      <a:prstDash val="solid"/>
+                      <a:round/>
+                      <a:headEnd type="none" w="med" len="med"/>
+                      <a:tailEnd type="none" w="med" len="med"/>
+                    </a:lnR>
+                    <a:lnT w="4763" cap="flat" cmpd="sng" algn="ctr">
+                      <a:solidFill>
+                        <a:srgbClr val="9E9E9E"/>
+                      </a:solidFill>
+                      <a:prstDash val="solid"/>
+                      <a:round/>
+                      <a:headEnd type="none" w="med" len="med"/>
+                      <a:tailEnd type="none" w="med" len="med"/>
+                    </a:lnT>
+                    <a:lnB w="4763" cap="flat" cmpd="sng" algn="ctr">
+                      <a:solidFill>
+                        <a:srgbClr val="9E9E9E"/>
+                      </a:solidFill>
+                      <a:prstDash val="solid"/>
+                      <a:round/>
+                      <a:headEnd type="none" w="med" len="med"/>
+                      <a:tailEnd type="none" w="med" len="med"/>
+                    </a:lnB>
+                  </a:tcPr>
+                </a:tc>
+                <a:extLst>
+                  <a:ext uri="{0D108BD9-81ED-4DB2-BD59-A6C34878D82A}">
+                    <a16:rowId xmlns:a16="http://schemas.microsoft.com/office/drawing/2014/main" val="3336935628"/>
+                  </a:ext>
+                </a:extLst>
+              </a:tr>
+              <a:tr h="318041">
+                <a:tc>
+                  <a:txBody>
+                    <a:bodyPr/>
+                    <a:lstStyle/>
+                    <a:p>
+                      <a:pPr rtl="0" fontAlgn="t">
+                        <a:spcBef>
+                          <a:spcPts val="0"/>
+                        </a:spcBef>
+                        <a:spcAft>
+                          <a:spcPts val="0"/>
+                        </a:spcAft>
+                      </a:pPr>
+                      <a:r>
+                        <a:rPr lang="en-US" sz="1400" b="0" i="0" u="none" strike="noStrike" dirty="0">
+                          <a:solidFill>
+                            <a:srgbClr val="000000"/>
+                          </a:solidFill>
+                          <a:effectLst/>
+                          <a:latin typeface="+mn-lt"/>
+                        </a:rPr>
+                        <a:t>Features Selection</a:t>
+                      </a:r>
+                      <a:endParaRPr lang="en-US" dirty="0">
+                        <a:effectLst/>
+                        <a:latin typeface="+mn-lt"/>
+                      </a:endParaRPr>
+                    </a:p>
+                  </a:txBody>
+                  <a:tcPr marL="47625" marR="47625" marT="47625" marB="47625">
+                    <a:lnL w="4763" cap="flat" cmpd="sng" algn="ctr">
+                      <a:solidFill>
+                        <a:srgbClr val="9E9E9E"/>
+                      </a:solidFill>
+                      <a:prstDash val="solid"/>
+                      <a:round/>
+                      <a:headEnd type="none" w="med" len="med"/>
+                      <a:tailEnd type="none" w="med" len="med"/>
+                    </a:lnL>
+                    <a:lnR w="4763" cap="flat" cmpd="sng" algn="ctr">
+                      <a:solidFill>
+                        <a:srgbClr val="9E9E9E"/>
+                      </a:solidFill>
+                      <a:prstDash val="solid"/>
+                      <a:round/>
+                      <a:headEnd type="none" w="med" len="med"/>
+                      <a:tailEnd type="none" w="med" len="med"/>
+                    </a:lnR>
+                    <a:lnT w="4763" cap="flat" cmpd="sng" algn="ctr">
+                      <a:solidFill>
+                        <a:srgbClr val="9E9E9E"/>
+                      </a:solidFill>
+                      <a:prstDash val="solid"/>
+                      <a:round/>
+                      <a:headEnd type="none" w="med" len="med"/>
+                      <a:tailEnd type="none" w="med" len="med"/>
+                    </a:lnT>
+                    <a:lnB w="4763" cap="flat" cmpd="sng" algn="ctr">
+                      <a:solidFill>
+                        <a:srgbClr val="9E9E9E"/>
+                      </a:solidFill>
+                      <a:prstDash val="solid"/>
+                      <a:round/>
+                      <a:headEnd type="none" w="med" len="med"/>
+                      <a:tailEnd type="none" w="med" len="med"/>
+                    </a:lnB>
+                  </a:tcPr>
+                </a:tc>
+                <a:tc>
+                  <a:txBody>
+                    <a:bodyPr/>
+                    <a:lstStyle/>
+                    <a:p>
+                      <a:pPr algn="ctr" rtl="0" fontAlgn="t">
+                        <a:spcBef>
+                          <a:spcPts val="0"/>
+                        </a:spcBef>
+                        <a:spcAft>
+                          <a:spcPts val="0"/>
+                        </a:spcAft>
+                      </a:pPr>
+                      <a:r>
+                        <a:rPr lang="en-US" sz="1400" b="0" i="0" u="none" strike="noStrike" dirty="0">
+                          <a:solidFill>
+                            <a:srgbClr val="000000"/>
+                          </a:solidFill>
+                          <a:effectLst/>
+                          <a:latin typeface="+mn-lt"/>
+                        </a:rPr>
+                        <a:t>75.15%</a:t>
+                      </a:r>
+                      <a:endParaRPr lang="en-US" dirty="0">
+                        <a:effectLst/>
+                        <a:latin typeface="+mn-lt"/>
+                      </a:endParaRPr>
+                    </a:p>
+                  </a:txBody>
+                  <a:tcPr marL="47625" marR="47625" marT="47625" marB="47625">
+                    <a:lnL w="4763" cap="flat" cmpd="sng" algn="ctr">
+                      <a:solidFill>
+                        <a:srgbClr val="9E9E9E"/>
+                      </a:solidFill>
+                      <a:prstDash val="solid"/>
+                      <a:round/>
+                      <a:headEnd type="none" w="med" len="med"/>
+                      <a:tailEnd type="none" w="med" len="med"/>
+                    </a:lnL>
+                    <a:lnR w="4763" cap="flat" cmpd="sng" algn="ctr">
+                      <a:solidFill>
+                        <a:srgbClr val="9E9E9E"/>
+                      </a:solidFill>
+                      <a:prstDash val="solid"/>
+                      <a:round/>
+                      <a:headEnd type="none" w="med" len="med"/>
+                      <a:tailEnd type="none" w="med" len="med"/>
+                    </a:lnR>
+                    <a:lnT w="4763" cap="flat" cmpd="sng" algn="ctr">
+                      <a:solidFill>
+                        <a:srgbClr val="9E9E9E"/>
+                      </a:solidFill>
+                      <a:prstDash val="solid"/>
+                      <a:round/>
+                      <a:headEnd type="none" w="med" len="med"/>
+                      <a:tailEnd type="none" w="med" len="med"/>
+                    </a:lnT>
+                    <a:lnB w="4763" cap="flat" cmpd="sng" algn="ctr">
+                      <a:solidFill>
+                        <a:srgbClr val="9E9E9E"/>
+                      </a:solidFill>
+                      <a:prstDash val="solid"/>
+                      <a:round/>
+                      <a:headEnd type="none" w="med" len="med"/>
+                      <a:tailEnd type="none" w="med" len="med"/>
+                    </a:lnB>
+                  </a:tcPr>
+                </a:tc>
+                <a:extLst>
+                  <a:ext uri="{0D108BD9-81ED-4DB2-BD59-A6C34878D82A}">
+                    <a16:rowId xmlns:a16="http://schemas.microsoft.com/office/drawing/2014/main" val="1950126987"/>
+                  </a:ext>
+                </a:extLst>
+              </a:tr>
+              <a:tr h="312609">
+                <a:tc>
+                  <a:txBody>
+                    <a:bodyPr/>
+                    <a:lstStyle/>
+                    <a:p>
+                      <a:pPr rtl="0" fontAlgn="t">
+                        <a:spcBef>
+                          <a:spcPts val="0"/>
+                        </a:spcBef>
+                        <a:spcAft>
+                          <a:spcPts val="0"/>
+                        </a:spcAft>
+                      </a:pPr>
+                      <a:r>
+                        <a:rPr lang="en-US" sz="1400" b="0" i="0" u="none" strike="noStrike" dirty="0">
+                          <a:solidFill>
+                            <a:srgbClr val="000000"/>
+                          </a:solidFill>
+                          <a:effectLst/>
+                          <a:latin typeface="+mn-lt"/>
+                        </a:rPr>
+                        <a:t>RandomizedSearchCV</a:t>
+                      </a:r>
+                      <a:endParaRPr lang="en-US" dirty="0">
+                        <a:effectLst/>
+                        <a:latin typeface="+mn-lt"/>
+                      </a:endParaRPr>
+                    </a:p>
+                  </a:txBody>
+                  <a:tcPr marL="47625" marR="47625" marT="47625" marB="47625">
+                    <a:lnL w="4763" cap="flat" cmpd="sng" algn="ctr">
+                      <a:solidFill>
+                        <a:srgbClr val="9E9E9E"/>
+                      </a:solidFill>
+                      <a:prstDash val="solid"/>
+                      <a:round/>
+                      <a:headEnd type="none" w="med" len="med"/>
+                      <a:tailEnd type="none" w="med" len="med"/>
+                    </a:lnL>
+                    <a:lnR w="4763" cap="flat" cmpd="sng" algn="ctr">
+                      <a:solidFill>
+                        <a:srgbClr val="9E9E9E"/>
+                      </a:solidFill>
+                      <a:prstDash val="solid"/>
+                      <a:round/>
+                      <a:headEnd type="none" w="med" len="med"/>
+                      <a:tailEnd type="none" w="med" len="med"/>
+                    </a:lnR>
+                    <a:lnT w="4763" cap="flat" cmpd="sng" algn="ctr">
+                      <a:solidFill>
+                        <a:srgbClr val="9E9E9E"/>
+                      </a:solidFill>
+                      <a:prstDash val="solid"/>
+                      <a:round/>
+                      <a:headEnd type="none" w="med" len="med"/>
+                      <a:tailEnd type="none" w="med" len="med"/>
+                    </a:lnT>
+                    <a:lnB w="4763" cap="flat" cmpd="sng" algn="ctr">
+                      <a:solidFill>
+                        <a:srgbClr val="9E9E9E"/>
+                      </a:solidFill>
+                      <a:prstDash val="solid"/>
+                      <a:round/>
+                      <a:headEnd type="none" w="med" len="med"/>
+                      <a:tailEnd type="none" w="med" len="med"/>
+                    </a:lnB>
+                  </a:tcPr>
+                </a:tc>
+                <a:tc>
+                  <a:txBody>
+                    <a:bodyPr/>
+                    <a:lstStyle/>
+                    <a:p>
+                      <a:pPr algn="ctr" rtl="0" fontAlgn="t">
+                        <a:spcBef>
+                          <a:spcPts val="0"/>
+                        </a:spcBef>
+                        <a:spcAft>
+                          <a:spcPts val="0"/>
+                        </a:spcAft>
+                      </a:pPr>
+                      <a:r>
+                        <a:rPr lang="en-US" sz="1400" b="0" i="0" u="none" strike="noStrike" dirty="0">
+                          <a:solidFill>
+                            <a:srgbClr val="000000"/>
+                          </a:solidFill>
+                          <a:effectLst/>
+                          <a:latin typeface="+mn-lt"/>
+                        </a:rPr>
+                        <a:t>77.18%</a:t>
+                      </a:r>
+                      <a:endParaRPr lang="en-US" dirty="0">
+                        <a:effectLst/>
+                        <a:latin typeface="+mn-lt"/>
+                      </a:endParaRPr>
+                    </a:p>
+                  </a:txBody>
+                  <a:tcPr marL="47625" marR="47625" marT="47625" marB="47625">
+                    <a:lnL w="4763" cap="flat" cmpd="sng" algn="ctr">
+                      <a:solidFill>
+                        <a:srgbClr val="9E9E9E"/>
+                      </a:solidFill>
+                      <a:prstDash val="solid"/>
+                      <a:round/>
+                      <a:headEnd type="none" w="med" len="med"/>
+                      <a:tailEnd type="none" w="med" len="med"/>
+                    </a:lnL>
+                    <a:lnR w="4763" cap="flat" cmpd="sng" algn="ctr">
+                      <a:solidFill>
+                        <a:srgbClr val="9E9E9E"/>
+                      </a:solidFill>
+                      <a:prstDash val="solid"/>
+                      <a:round/>
+                      <a:headEnd type="none" w="med" len="med"/>
+                      <a:tailEnd type="none" w="med" len="med"/>
+                    </a:lnR>
+                    <a:lnT w="4763" cap="flat" cmpd="sng" algn="ctr">
+                      <a:solidFill>
+                        <a:srgbClr val="9E9E9E"/>
+                      </a:solidFill>
+                      <a:prstDash val="solid"/>
+                      <a:round/>
+                      <a:headEnd type="none" w="med" len="med"/>
+                      <a:tailEnd type="none" w="med" len="med"/>
+                    </a:lnT>
+                    <a:lnB w="4763" cap="flat" cmpd="sng" algn="ctr">
+                      <a:solidFill>
+                        <a:srgbClr val="9E9E9E"/>
+                      </a:solidFill>
+                      <a:prstDash val="solid"/>
+                      <a:round/>
+                      <a:headEnd type="none" w="med" len="med"/>
+                      <a:tailEnd type="none" w="med" len="med"/>
+                    </a:lnB>
+                  </a:tcPr>
+                </a:tc>
+                <a:extLst>
+                  <a:ext uri="{0D108BD9-81ED-4DB2-BD59-A6C34878D82A}">
+                    <a16:rowId xmlns:a16="http://schemas.microsoft.com/office/drawing/2014/main" val="1194228758"/>
+                  </a:ext>
+                </a:extLst>
+              </a:tr>
+              <a:tr h="329184">
+                <a:tc>
+                  <a:txBody>
+                    <a:bodyPr/>
+                    <a:lstStyle/>
+                    <a:p>
+                      <a:pPr rtl="0" fontAlgn="t">
+                        <a:spcBef>
+                          <a:spcPts val="0"/>
+                        </a:spcBef>
+                        <a:spcAft>
+                          <a:spcPts val="0"/>
+                        </a:spcAft>
+                      </a:pPr>
+                      <a:r>
+                        <a:rPr lang="en-US" sz="1400" b="0" i="0" u="none" strike="noStrike" dirty="0">
+                          <a:solidFill>
+                            <a:srgbClr val="000000"/>
+                          </a:solidFill>
+                          <a:effectLst/>
+                          <a:latin typeface="+mn-lt"/>
+                        </a:rPr>
+                        <a:t>GridSearchCV</a:t>
+                      </a:r>
+                      <a:endParaRPr lang="en-US" dirty="0">
+                        <a:effectLst/>
+                        <a:latin typeface="+mn-lt"/>
+                      </a:endParaRPr>
+                    </a:p>
+                  </a:txBody>
+                  <a:tcPr marL="47625" marR="47625" marT="47625" marB="47625">
+                    <a:lnL w="4763" cap="flat" cmpd="sng" algn="ctr">
+                      <a:solidFill>
+                        <a:srgbClr val="9E9E9E"/>
+                      </a:solidFill>
+                      <a:prstDash val="solid"/>
+                      <a:round/>
+                      <a:headEnd type="none" w="med" len="med"/>
+                      <a:tailEnd type="none" w="med" len="med"/>
+                    </a:lnL>
+                    <a:lnR w="4763" cap="flat" cmpd="sng" algn="ctr">
+                      <a:solidFill>
+                        <a:srgbClr val="9E9E9E"/>
+                      </a:solidFill>
+                      <a:prstDash val="solid"/>
+                      <a:round/>
+                      <a:headEnd type="none" w="med" len="med"/>
+                      <a:tailEnd type="none" w="med" len="med"/>
+                    </a:lnR>
+                    <a:lnT w="4763" cap="flat" cmpd="sng" algn="ctr">
+                      <a:solidFill>
+                        <a:srgbClr val="9E9E9E"/>
+                      </a:solidFill>
+                      <a:prstDash val="solid"/>
+                      <a:round/>
+                      <a:headEnd type="none" w="med" len="med"/>
+                      <a:tailEnd type="none" w="med" len="med"/>
+                    </a:lnT>
+                    <a:lnB w="4763" cap="flat" cmpd="sng" algn="ctr">
+                      <a:solidFill>
+                        <a:srgbClr val="9E9E9E"/>
+                      </a:solidFill>
+                      <a:prstDash val="solid"/>
+                      <a:round/>
+                      <a:headEnd type="none" w="med" len="med"/>
+                      <a:tailEnd type="none" w="med" len="med"/>
+                    </a:lnB>
+                  </a:tcPr>
+                </a:tc>
+                <a:tc>
+                  <a:txBody>
+                    <a:bodyPr/>
+                    <a:lstStyle/>
+                    <a:p>
+                      <a:pPr algn="ctr" rtl="0" fontAlgn="t">
+                        <a:spcBef>
+                          <a:spcPts val="0"/>
+                        </a:spcBef>
+                        <a:spcAft>
+                          <a:spcPts val="0"/>
+                        </a:spcAft>
+                      </a:pPr>
+                      <a:r>
+                        <a:rPr lang="en-US" sz="1400" b="0" i="0" u="none" strike="noStrike" dirty="0">
+                          <a:solidFill>
+                            <a:srgbClr val="000000"/>
+                          </a:solidFill>
+                          <a:effectLst/>
+                          <a:latin typeface="+mn-lt"/>
+                        </a:rPr>
+                        <a:t>77.28%</a:t>
+                      </a:r>
+                      <a:endParaRPr lang="en-US" dirty="0">
+                        <a:effectLst/>
+                        <a:latin typeface="+mn-lt"/>
+                      </a:endParaRPr>
+                    </a:p>
+                  </a:txBody>
+                  <a:tcPr marL="47625" marR="47625" marT="47625" marB="47625">
+                    <a:lnL w="4763" cap="flat" cmpd="sng" algn="ctr">
+                      <a:solidFill>
+                        <a:srgbClr val="9E9E9E"/>
+                      </a:solidFill>
+                      <a:prstDash val="solid"/>
+                      <a:round/>
+                      <a:headEnd type="none" w="med" len="med"/>
+                      <a:tailEnd type="none" w="med" len="med"/>
+                    </a:lnL>
+                    <a:lnR w="4763" cap="flat" cmpd="sng" algn="ctr">
+                      <a:solidFill>
+                        <a:srgbClr val="9E9E9E"/>
+                      </a:solidFill>
+                      <a:prstDash val="solid"/>
+                      <a:round/>
+                      <a:headEnd type="none" w="med" len="med"/>
+                      <a:tailEnd type="none" w="med" len="med"/>
+                    </a:lnR>
+                    <a:lnT w="4763" cap="flat" cmpd="sng" algn="ctr">
+                      <a:solidFill>
+                        <a:srgbClr val="9E9E9E"/>
+                      </a:solidFill>
+                      <a:prstDash val="solid"/>
+                      <a:round/>
+                      <a:headEnd type="none" w="med" len="med"/>
+                      <a:tailEnd type="none" w="med" len="med"/>
+                    </a:lnT>
+                    <a:lnB w="4763" cap="flat" cmpd="sng" algn="ctr">
+                      <a:solidFill>
+                        <a:srgbClr val="9E9E9E"/>
+                      </a:solidFill>
+                      <a:prstDash val="solid"/>
+                      <a:round/>
+                      <a:headEnd type="none" w="med" len="med"/>
+                      <a:tailEnd type="none" w="med" len="med"/>
+                    </a:lnB>
+                  </a:tcPr>
+                </a:tc>
+                <a:extLst>
+                  <a:ext uri="{0D108BD9-81ED-4DB2-BD59-A6C34878D82A}">
+                    <a16:rowId xmlns:a16="http://schemas.microsoft.com/office/drawing/2014/main" val="2991713783"/>
+                  </a:ext>
+                </a:extLst>
+              </a:tr>
+              <a:tr h="310896">
+                <a:tc>
+                  <a:txBody>
+                    <a:bodyPr/>
+                    <a:lstStyle/>
+                    <a:p>
+                      <a:pPr rtl="0" fontAlgn="t">
+                        <a:spcBef>
+                          <a:spcPts val="0"/>
+                        </a:spcBef>
+                        <a:spcAft>
+                          <a:spcPts val="0"/>
+                        </a:spcAft>
+                      </a:pPr>
+                      <a:r>
+                        <a:rPr lang="en-US" sz="1400" b="0" i="0" u="none" strike="noStrike" dirty="0">
+                          <a:solidFill>
+                            <a:srgbClr val="000000"/>
+                          </a:solidFill>
+                          <a:effectLst/>
+                          <a:latin typeface="+mn-lt"/>
+                        </a:rPr>
+                        <a:t>Deep Learning Model</a:t>
+                      </a:r>
+                      <a:endParaRPr lang="en-US" dirty="0">
+                        <a:effectLst/>
+                        <a:latin typeface="+mn-lt"/>
+                      </a:endParaRPr>
+                    </a:p>
+                  </a:txBody>
+                  <a:tcPr marL="47625" marR="47625" marT="47625" marB="47625">
+                    <a:lnL w="4763" cap="flat" cmpd="sng" algn="ctr">
+                      <a:solidFill>
+                        <a:srgbClr val="9E9E9E"/>
+                      </a:solidFill>
+                      <a:prstDash val="solid"/>
+                      <a:round/>
+                      <a:headEnd type="none" w="med" len="med"/>
+                      <a:tailEnd type="none" w="med" len="med"/>
+                    </a:lnL>
+                    <a:lnR w="4763" cap="flat" cmpd="sng" algn="ctr">
+                      <a:solidFill>
+                        <a:srgbClr val="9E9E9E"/>
+                      </a:solidFill>
+                      <a:prstDash val="solid"/>
+                      <a:round/>
+                      <a:headEnd type="none" w="med" len="med"/>
+                      <a:tailEnd type="none" w="med" len="med"/>
+                    </a:lnR>
+                    <a:lnT w="4763" cap="flat" cmpd="sng" algn="ctr">
+                      <a:solidFill>
+                        <a:srgbClr val="9E9E9E"/>
+                      </a:solidFill>
+                      <a:prstDash val="solid"/>
+                      <a:round/>
+                      <a:headEnd type="none" w="med" len="med"/>
+                      <a:tailEnd type="none" w="med" len="med"/>
+                    </a:lnT>
+                    <a:lnB w="4763" cap="flat" cmpd="sng" algn="ctr">
+                      <a:solidFill>
+                        <a:srgbClr val="9E9E9E"/>
+                      </a:solidFill>
+                      <a:prstDash val="solid"/>
+                      <a:round/>
+                      <a:headEnd type="none" w="med" len="med"/>
+                      <a:tailEnd type="none" w="med" len="med"/>
+                    </a:lnB>
+                  </a:tcPr>
+                </a:tc>
+                <a:tc>
+                  <a:txBody>
+                    <a:bodyPr/>
+                    <a:lstStyle/>
+                    <a:p>
+                      <a:pPr algn="ctr" rtl="0" fontAlgn="t">
+                        <a:spcBef>
+                          <a:spcPts val="0"/>
+                        </a:spcBef>
+                        <a:spcAft>
+                          <a:spcPts val="0"/>
+                        </a:spcAft>
+                      </a:pPr>
+                      <a:r>
+                        <a:rPr lang="en-US" sz="1400" b="0" i="0" u="none" strike="noStrike" dirty="0">
+                          <a:solidFill>
+                            <a:srgbClr val="000000"/>
+                          </a:solidFill>
+                          <a:effectLst/>
+                          <a:latin typeface="+mn-lt"/>
+                        </a:rPr>
+                        <a:t>76.43%</a:t>
+                      </a:r>
+                      <a:endParaRPr lang="en-US" dirty="0">
+                        <a:effectLst/>
+                        <a:latin typeface="+mn-lt"/>
                       </a:endParaRPr>
                     </a:p>
                   </a:txBody>
@@ -14145,7 +14157,7 @@
                   </a:ext>
                 </a:extLst>
               </a:tr>
-              <a:tr h="838103">
+              <a:tr h="0">
                 <a:tc>
                   <a:txBody>
                     <a:bodyPr/>
@@ -14162,23 +14174,14 @@
                       <a:r>
                         <a:rPr lang="en-US" sz="1400" dirty="0">
                           <a:effectLst/>
-                          <a:latin typeface="Arial" panose="020B0604020202020204" pitchFamily="34" charset="0"/>
+                          <a:latin typeface="+mn-lt"/>
                           <a:cs typeface="Arial" panose="020B0604020202020204" pitchFamily="34" charset="0"/>
                         </a:rPr>
                         <a:t>Tuned Deep Learning Model</a:t>
                       </a:r>
-                    </a:p>
-                    <a:p>
-                      <a:pPr rtl="0" fontAlgn="t">
-                        <a:spcBef>
-                          <a:spcPts val="0"/>
-                        </a:spcBef>
-                        <a:spcAft>
-                          <a:spcPts val="0"/>
-                        </a:spcAft>
-                      </a:pPr>
                       <a:endParaRPr lang="en-US" dirty="0">
                         <a:effectLst/>
+                        <a:latin typeface="+mn-lt"/>
                       </a:endParaRPr>
                     </a:p>
                   </a:txBody>
@@ -14237,14 +14240,14 @@
                       <a:r>
                         <a:rPr lang="en-AU" sz="1400" dirty="0">
                           <a:effectLst/>
-                          <a:latin typeface="Arial" panose="020B0604020202020204" pitchFamily="34" charset="0"/>
+                          <a:latin typeface="+mn-lt"/>
                           <a:cs typeface="Arial" panose="020B0604020202020204" pitchFamily="34" charset="0"/>
                         </a:rPr>
                         <a:t>76.28%</a:t>
                       </a:r>
                       <a:endParaRPr lang="en-US" sz="1400" dirty="0">
                         <a:effectLst/>
-                        <a:latin typeface="Arial" panose="020B0604020202020204" pitchFamily="34" charset="0"/>
+                        <a:latin typeface="+mn-lt"/>
                         <a:cs typeface="Arial" panose="020B0604020202020204" pitchFamily="34" charset="0"/>
                       </a:endParaRPr>
                     </a:p>
@@ -15281,7 +15284,7 @@
             </a:pPr>
             <a:r>
               <a:rPr lang="en-AU" sz="1800" dirty="0"/>
-              <a:t>Performance of each model is analysed and compared</a:t>
+              <a:t>Performance of each model is analysed and compared. Accuracy is the focused metric.</a:t>
             </a:r>
           </a:p>
           <a:p>
@@ -15723,8 +15726,12 @@
               <a:buChar char="•"/>
             </a:pPr>
             <a:r>
+              <a:rPr lang="en-US" sz="1400" b="1" dirty="0"/>
+              <a:t>Class balance </a:t>
+            </a:r>
+            <a:r>
               <a:rPr lang="en-US" sz="1400" dirty="0"/>
-              <a:t>Class balance – Our target variable has balanced classes.</a:t>
+              <a:t>– Our target variable has balanced classes.</a:t>
             </a:r>
           </a:p>
           <a:p>
@@ -15733,15 +15740,23 @@
               <a:buChar char="•"/>
             </a:pPr>
             <a:r>
+              <a:rPr lang="en-US" sz="1400" b="1" dirty="0"/>
+              <a:t>Missing values</a:t>
+            </a:r>
+            <a:r>
               <a:rPr lang="en-US" sz="1400" dirty="0"/>
-              <a:t>Missing values  (Recall that our data has c.30 features)</a:t>
+              <a:t>  (Recall that our data has c.30 features)</a:t>
             </a:r>
             <a:br>
               <a:rPr lang="en-US" sz="1400" dirty="0"/>
             </a:br>
             <a:r>
+              <a:rPr lang="en-US" sz="1400" b="1" dirty="0"/>
+              <a:t>Observation:</a:t>
+            </a:r>
+            <a:r>
               <a:rPr lang="en-US" sz="1400" dirty="0"/>
-              <a:t>Observation: </a:t>
+              <a:t> </a:t>
             </a:r>
             <a:br>
               <a:rPr lang="en-US" sz="1400" dirty="0"/>
@@ -15761,14 +15776,21 @@
           <a:p>
             <a:r>
               <a:rPr lang="en-US" sz="1400" b="1" dirty="0"/>
-              <a:t>Strategy for replacing missing values:</a:t>
+              <a:t>          Strategy for replacing missing values:</a:t>
             </a:r>
             <a:br>
               <a:rPr lang="en-US" sz="1400" dirty="0"/>
             </a:br>
             <a:r>
               <a:rPr lang="en-US" sz="1400" dirty="0"/>
-              <a:t>- We replace missing value with the most_frequent value observed using sklearn.impute.SimpleImputer module. This works well for both numerical and categorical variables.</a:t>
+              <a:t>           - We replace missing value with the most_frequent value observed using sklearn.impute.SimpleImputer module. </a:t>
+            </a:r>
+            <a:br>
+              <a:rPr lang="en-US" sz="1400" dirty="0"/>
+            </a:br>
+            <a:r>
+              <a:rPr lang="en-US" sz="1400" dirty="0"/>
+              <a:t>             This works well for both numerical and categorical variables.</a:t>
             </a:r>
           </a:p>
           <a:p>
@@ -15777,8 +15799,12 @@
               <a:buChar char="•"/>
             </a:pPr>
             <a:r>
+              <a:rPr lang="en-US" sz="1400" b="1" dirty="0"/>
+              <a:t>DATA TYPES</a:t>
+            </a:r>
+            <a:r>
               <a:rPr lang="en-US" sz="1400" dirty="0"/>
-              <a:t>DATA TYPES - Dataset has both numerical and categorical variables. Categorical variables are encoded into numerical values using sklearn.preprocessing.OneHotEncoder.</a:t>
+              <a:t> - Dataset has both numerical and categorical variables. Categorical variables are encoded into numerical values using sklearn.preprocessing.OneHotEncoder.</a:t>
             </a:r>
           </a:p>
         </p:txBody>
@@ -17042,7 +17068,7 @@
             </a:pPr>
             <a:r>
               <a:rPr lang="en-US" sz="1600" dirty="0"/>
-              <a:t>Final accuracy score: 77.28%, slightly higher than baseline model</a:t>
+              <a:t>Final accuracy score: 77.28%, an improvement on baseline model</a:t>
             </a:r>
           </a:p>
           <a:p>
@@ -17884,6 +17910,35 @@
 </file>
 
 <file path=customXml/item1.xml><?xml version="1.0" encoding="utf-8"?>
+<p:properties xmlns:p="http://schemas.microsoft.com/office/2006/metadata/properties" xmlns:xsi="http://www.w3.org/2001/XMLSchema-instance" xmlns:pc="http://schemas.microsoft.com/office/infopath/2007/PartnerControls">
+  <documentManagement>
+    <_ip_UnifiedCompliancePolicyUIAction xmlns="http://schemas.microsoft.com/sharepoint/v3" xsi:nil="true"/>
+    <Image xmlns="71af3243-3dd4-4a8d-8c0d-dd76da1f02a5">
+      <Url xsi:nil="true"/>
+      <Description xsi:nil="true"/>
+    </Image>
+    <Status xmlns="71af3243-3dd4-4a8d-8c0d-dd76da1f02a5">Not started</Status>
+    <Background xmlns="71af3243-3dd4-4a8d-8c0d-dd76da1f02a5">false</Background>
+    <_ip_UnifiedCompliancePolicyProperties xmlns="http://schemas.microsoft.com/sharepoint/v3" xsi:nil="true"/>
+    <ImageTagsTaxHTField xmlns="71af3243-3dd4-4a8d-8c0d-dd76da1f02a5">
+      <Terms xmlns="http://schemas.microsoft.com/office/infopath/2007/PartnerControls"/>
+    </ImageTagsTaxHTField>
+    <TaxCatchAll xmlns="230e9df3-be65-4c73-a93b-d1236ebd677e" xsi:nil="true"/>
+    <MediaServiceKeyPoints xmlns="71af3243-3dd4-4a8d-8c0d-dd76da1f02a5" xsi:nil="true"/>
+  </documentManagement>
+</p:properties>
+</file>
+
+<file path=customXml/item2.xml><?xml version="1.0" encoding="utf-8"?>
+<?mso-contentType ?>
+<FormTemplates xmlns="http://schemas.microsoft.com/sharepoint/v3/contenttype/forms">
+  <Display>DocumentLibraryForm</Display>
+  <Edit>DocumentLibraryForm</Edit>
+  <New>DocumentLibraryForm</New>
+</FormTemplates>
+</file>
+
+<file path=customXml/item3.xml><?xml version="1.0" encoding="utf-8"?>
 <ct:contentTypeSchema xmlns:ct="http://schemas.microsoft.com/office/2006/metadata/contentType" xmlns:ma="http://schemas.microsoft.com/office/2006/metadata/properties/metaAttributes" ct:_="" ma:_="" ma:contentTypeName="Document" ma:contentTypeID="0x01010079F111ED35F8CC479449609E8A0923A6" ma:contentTypeVersion="25" ma:contentTypeDescription="Create a new document." ma:contentTypeScope="" ma:versionID="e02306daf00165b375dc6a58966960be">
   <xsd:schema xmlns:xsd="http://www.w3.org/2001/XMLSchema" xmlns:xs="http://www.w3.org/2001/XMLSchema" xmlns:p="http://schemas.microsoft.com/office/2006/metadata/properties" xmlns:ns1="http://schemas.microsoft.com/sharepoint/v3" xmlns:ns2="71af3243-3dd4-4a8d-8c0d-dd76da1f02a5" xmlns:ns3="16c05727-aa75-4e4a-9b5f-8a80a1165891" xmlns:ns4="230e9df3-be65-4c73-a93b-d1236ebd677e" targetNamespace="http://schemas.microsoft.com/office/2006/metadata/properties" ma:root="true" ma:fieldsID="df88fb76bf5f555224557953949c1ec9" ns1:_="" ns2:_="" ns3:_="" ns4:_="">
     <xsd:import namespace="http://schemas.microsoft.com/sharepoint/v3"/>
@@ -18177,36 +18232,27 @@
 </ct:contentTypeSchema>
 </file>
 
-<file path=customXml/item2.xml><?xml version="1.0" encoding="utf-8"?>
-<?mso-contentType ?>
-<FormTemplates xmlns="http://schemas.microsoft.com/sharepoint/v3/contenttype/forms">
-  <Display>DocumentLibraryForm</Display>
-  <Edit>DocumentLibraryForm</Edit>
-  <New>DocumentLibraryForm</New>
-</FormTemplates>
+<file path=customXml/itemProps1.xml><?xml version="1.0" encoding="utf-8"?>
+<ds:datastoreItem xmlns:ds="http://schemas.openxmlformats.org/officeDocument/2006/customXml" ds:itemID="{99746342-5E84-430E-9251-61001F208E7A}">
+  <ds:schemaRefs>
+    <ds:schemaRef ds:uri="http://schemas.microsoft.com/office/2006/metadata/properties"/>
+    <ds:schemaRef ds:uri="http://schemas.microsoft.com/office/infopath/2007/PartnerControls"/>
+    <ds:schemaRef ds:uri="http://schemas.microsoft.com/sharepoint/v3"/>
+    <ds:schemaRef ds:uri="71af3243-3dd4-4a8d-8c0d-dd76da1f02a5"/>
+    <ds:schemaRef ds:uri="230e9df3-be65-4c73-a93b-d1236ebd677e"/>
+  </ds:schemaRefs>
+</ds:datastoreItem>
 </file>
 
-<file path=customXml/item3.xml><?xml version="1.0" encoding="utf-8"?>
-<p:properties xmlns:p="http://schemas.microsoft.com/office/2006/metadata/properties" xmlns:xsi="http://www.w3.org/2001/XMLSchema-instance" xmlns:pc="http://schemas.microsoft.com/office/infopath/2007/PartnerControls">
-  <documentManagement>
-    <_ip_UnifiedCompliancePolicyUIAction xmlns="http://schemas.microsoft.com/sharepoint/v3" xsi:nil="true"/>
-    <Image xmlns="71af3243-3dd4-4a8d-8c0d-dd76da1f02a5">
-      <Url xsi:nil="true"/>
-      <Description xsi:nil="true"/>
-    </Image>
-    <Status xmlns="71af3243-3dd4-4a8d-8c0d-dd76da1f02a5">Not started</Status>
-    <Background xmlns="71af3243-3dd4-4a8d-8c0d-dd76da1f02a5">false</Background>
-    <_ip_UnifiedCompliancePolicyProperties xmlns="http://schemas.microsoft.com/sharepoint/v3" xsi:nil="true"/>
-    <ImageTagsTaxHTField xmlns="71af3243-3dd4-4a8d-8c0d-dd76da1f02a5">
-      <Terms xmlns="http://schemas.microsoft.com/office/infopath/2007/PartnerControls"/>
-    </ImageTagsTaxHTField>
-    <TaxCatchAll xmlns="230e9df3-be65-4c73-a93b-d1236ebd677e" xsi:nil="true"/>
-    <MediaServiceKeyPoints xmlns="71af3243-3dd4-4a8d-8c0d-dd76da1f02a5" xsi:nil="true"/>
-  </documentManagement>
-</p:properties>
+<file path=customXml/itemProps2.xml><?xml version="1.0" encoding="utf-8"?>
+<ds:datastoreItem xmlns:ds="http://schemas.openxmlformats.org/officeDocument/2006/customXml" ds:itemID="{0E8B3377-22F1-4153-96F0-CC2E4BE41C57}">
+  <ds:schemaRefs>
+    <ds:schemaRef ds:uri="http://schemas.microsoft.com/sharepoint/v3/contenttype/forms"/>
+  </ds:schemaRefs>
+</ds:datastoreItem>
 </file>
 
-<file path=customXml/itemProps1.xml><?xml version="1.0" encoding="utf-8"?>
+<file path=customXml/itemProps3.xml><?xml version="1.0" encoding="utf-8"?>
 <ds:datastoreItem xmlns:ds="http://schemas.openxmlformats.org/officeDocument/2006/customXml" ds:itemID="{2EB2FABB-45EC-440E-B647-8CA57BA45ACA}">
   <ds:schemaRefs>
     <ds:schemaRef ds:uri="http://schemas.microsoft.com/office/2006/metadata/contentType"/>
@@ -18227,26 +18273,6 @@
 </ds:datastoreItem>
 </file>
 
-<file path=customXml/itemProps2.xml><?xml version="1.0" encoding="utf-8"?>
-<ds:datastoreItem xmlns:ds="http://schemas.openxmlformats.org/officeDocument/2006/customXml" ds:itemID="{0E8B3377-22F1-4153-96F0-CC2E4BE41C57}">
-  <ds:schemaRefs>
-    <ds:schemaRef ds:uri="http://schemas.microsoft.com/sharepoint/v3/contenttype/forms"/>
-  </ds:schemaRefs>
-</ds:datastoreItem>
-</file>
-
-<file path=customXml/itemProps3.xml><?xml version="1.0" encoding="utf-8"?>
-<ds:datastoreItem xmlns:ds="http://schemas.openxmlformats.org/officeDocument/2006/customXml" ds:itemID="{99746342-5E84-430E-9251-61001F208E7A}">
-  <ds:schemaRefs>
-    <ds:schemaRef ds:uri="http://schemas.microsoft.com/office/2006/metadata/properties"/>
-    <ds:schemaRef ds:uri="http://schemas.microsoft.com/office/infopath/2007/PartnerControls"/>
-    <ds:schemaRef ds:uri="http://schemas.microsoft.com/sharepoint/v3"/>
-    <ds:schemaRef ds:uri="71af3243-3dd4-4a8d-8c0d-dd76da1f02a5"/>
-    <ds:schemaRef ds:uri="230e9df3-be65-4c73-a93b-d1236ebd677e"/>
-  </ds:schemaRefs>
-</ds:datastoreItem>
-</file>
-
 <file path=docMetadata/LabelInfo.xml><?xml version="1.0" encoding="utf-8"?>
 <clbl:labelList xmlns:clbl="http://schemas.microsoft.com/office/2020/mipLabelMetadata"/>
 </file>